--- a/NodeJS/lesson_28/Presentation/Console_program.pptx
+++ b/NodeJS/lesson_28/Presentation/Console_program.pptx
@@ -2515,7 +2515,7 @@
         <p:spPr>
           <a:xfrm>
             <a:off x="611560" y="4005064"/>
-            <a:ext cx="7992888" cy="2031325"/>
+            <a:ext cx="7992888" cy="1754326"/>
           </a:xfrm>
           <a:prstGeom prst="rect">
             <a:avLst/>
@@ -2743,42 +2743,9 @@
               <a:rPr lang="ru-RU" dirty="0">
                 <a:latin typeface="Calibri" pitchFamily="34" charset="0"/>
               </a:rPr>
-              <a:t>для управления зависимостями </a:t>
+              <a:t>для управления зависимостями</a:t>
             </a:r>
             <a:endParaRPr lang="en-US" dirty="0">
-              <a:latin typeface="Calibri" pitchFamily="34" charset="0"/>
-            </a:endParaRPr>
-          </a:p>
-          <a:p>
-            <a:pPr>
-              <a:buFont typeface="Arial" pitchFamily="34" charset="0"/>
-              <a:buChar char="•"/>
-            </a:pPr>
-            <a:r>
-              <a:rPr lang="en-US" dirty="0">
-                <a:latin typeface="Calibri" pitchFamily="34" charset="0"/>
-              </a:rPr>
-              <a:t> npm init –y – </a:t>
-            </a:r>
-            <a:r>
-              <a:rPr lang="ru-RU" dirty="0">
-                <a:latin typeface="Calibri" pitchFamily="34" charset="0"/>
-              </a:rPr>
-              <a:t>быстрое создание </a:t>
-            </a:r>
-            <a:r>
-              <a:rPr lang="en-US" dirty="0" err="1">
-                <a:latin typeface="Calibri" pitchFamily="34" charset="0"/>
-              </a:rPr>
-              <a:t>package.json</a:t>
-            </a:r>
-            <a:r>
-              <a:rPr lang="en-US" dirty="0">
-                <a:latin typeface="Calibri" pitchFamily="34" charset="0"/>
-              </a:rPr>
-              <a:t> </a:t>
-            </a:r>
-            <a:endParaRPr lang="ru-RU" dirty="0">
               <a:latin typeface="Calibri" pitchFamily="34" charset="0"/>
             </a:endParaRPr>
           </a:p>
@@ -3880,19 +3847,13 @@
               <a:rPr lang="ru-RU" dirty="0">
                 <a:latin typeface="Calibri" pitchFamily="34" charset="0"/>
               </a:rPr>
-              <a:t> – функции </a:t>
-            </a:r>
-            <a:r>
-              <a:rPr lang="en-US" dirty="0" err="1">
-                <a:latin typeface="Calibri" pitchFamily="34" charset="0"/>
-              </a:rPr>
-              <a:t>setImmediate</a:t>
-            </a:r>
-            <a:r>
-              <a:rPr lang="en-US" dirty="0">
-                <a:latin typeface="Calibri" pitchFamily="34" charset="0"/>
-              </a:rPr>
-              <a:t>, </a:t>
+              <a:t> – функции</a:t>
+            </a:r>
+            <a:r>
+              <a:rPr lang="en-US" dirty="0">
+                <a:latin typeface="Calibri" pitchFamily="34" charset="0"/>
+              </a:rPr>
+              <a:t> </a:t>
             </a:r>
             <a:r>
               <a:rPr lang="en-US" dirty="0" err="1">
